--- a/ReactJS/lesson_19/Presentation/ReactJS_intro.pptx
+++ b/ReactJS/lesson_19/Presentation/ReactJS_intro.pptx
@@ -2203,7 +2203,7 @@
               <a:buChar char="•"/>
             </a:pPr>
             <a:endParaRPr lang="ru-RU" dirty="0">
-              <a:latin typeface="Calibri" panose="020F0502020204030204" pitchFamily="34" charset="0"/>
+              <a:latin typeface="Calibri" pitchFamily="34" charset="0"/>
             </a:endParaRPr>
           </a:p>
           <a:p>
@@ -2212,7 +2212,7 @@
               <a:buChar char="•"/>
             </a:pPr>
             <a:endParaRPr lang="ru-RU" dirty="0">
-              <a:latin typeface="Calibri" panose="020F0502020204030204" pitchFamily="34" charset="0"/>
+              <a:latin typeface="Calibri" pitchFamily="34" charset="0"/>
             </a:endParaRPr>
           </a:p>
         </p:txBody>
@@ -2532,106 +2532,16 @@
           <a:p>
             <a:pPr algn="just"/>
             <a:r>
-              <a:rPr lang="ru-RU" sz="1800" b="1" dirty="0" err="1">
-                <a:latin typeface="Calibri" pitchFamily="34" charset="0"/>
-              </a:rPr>
-              <a:t>Virtual</a:t>
-            </a:r>
-            <a:r>
               <a:rPr lang="ru-RU" sz="1800" b="1" dirty="0">
                 <a:latin typeface="Calibri" pitchFamily="34" charset="0"/>
               </a:rPr>
-              <a:t> DOM</a:t>
+              <a:t>Virtual DOM</a:t>
             </a:r>
             <a:r>
               <a:rPr lang="ru-RU" sz="1800" dirty="0">
                 <a:latin typeface="Calibri" pitchFamily="34" charset="0"/>
               </a:rPr>
-              <a:t> — это дерево </a:t>
-            </a:r>
-            <a:r>
-              <a:rPr lang="ru-RU" sz="1800" dirty="0" err="1">
-                <a:latin typeface="Calibri" pitchFamily="34" charset="0"/>
-              </a:rPr>
-              <a:t>React</a:t>
-            </a:r>
-            <a:r>
-              <a:rPr lang="ru-RU" sz="1800" dirty="0">
-                <a:latin typeface="Calibri" pitchFamily="34" charset="0"/>
-              </a:rPr>
-              <a:t> элементов на </a:t>
-            </a:r>
-            <a:r>
-              <a:rPr lang="ru-RU" sz="1800" dirty="0" err="1">
-                <a:latin typeface="Calibri" pitchFamily="34" charset="0"/>
-              </a:rPr>
-              <a:t>JavaScript</a:t>
-            </a:r>
-            <a:r>
-              <a:rPr lang="ru-RU" sz="1800" dirty="0">
-                <a:latin typeface="Calibri" pitchFamily="34" charset="0"/>
-              </a:rPr>
-              <a:t>. </a:t>
-            </a:r>
-            <a:r>
-              <a:rPr lang="ru-RU" sz="1800" dirty="0" err="1">
-                <a:latin typeface="Calibri" pitchFamily="34" charset="0"/>
-              </a:rPr>
-              <a:t>React</a:t>
-            </a:r>
-            <a:r>
-              <a:rPr lang="ru-RU" sz="1800" dirty="0">
-                <a:latin typeface="Calibri" pitchFamily="34" charset="0"/>
-              </a:rPr>
-              <a:t> </a:t>
-            </a:r>
-            <a:r>
-              <a:rPr lang="ru-RU" sz="1800" dirty="0" err="1">
-                <a:latin typeface="Calibri" pitchFamily="34" charset="0"/>
-              </a:rPr>
-              <a:t>отрисовывает</a:t>
-            </a:r>
-            <a:r>
-              <a:rPr lang="ru-RU" sz="1800" dirty="0">
-                <a:latin typeface="Calibri" pitchFamily="34" charset="0"/>
-              </a:rPr>
-              <a:t> </a:t>
-            </a:r>
-            <a:r>
-              <a:rPr lang="ru-RU" sz="1800" dirty="0" err="1">
-                <a:latin typeface="Calibri" pitchFamily="34" charset="0"/>
-              </a:rPr>
-              <a:t>Virtual</a:t>
-            </a:r>
-            <a:r>
-              <a:rPr lang="ru-RU" sz="1800" dirty="0">
-                <a:latin typeface="Calibri" pitchFamily="34" charset="0"/>
-              </a:rPr>
-              <a:t> DOM в браузере, чтоб сделать интерфейс видимым. </a:t>
-            </a:r>
-            <a:r>
-              <a:rPr lang="ru-RU" sz="1800" dirty="0" err="1">
-                <a:latin typeface="Calibri" pitchFamily="34" charset="0"/>
-              </a:rPr>
-              <a:t>React</a:t>
-            </a:r>
-            <a:r>
-              <a:rPr lang="ru-RU" sz="1800" dirty="0">
-                <a:latin typeface="Calibri" pitchFamily="34" charset="0"/>
-              </a:rPr>
-              <a:t> следит за изменениями в </a:t>
-            </a:r>
-            <a:r>
-              <a:rPr lang="ru-RU" sz="1800" dirty="0" err="1">
-                <a:latin typeface="Calibri" pitchFamily="34" charset="0"/>
-              </a:rPr>
-              <a:t>Virtual</a:t>
-            </a:r>
-            <a:r>
-              <a:rPr lang="ru-RU" sz="1800" dirty="0">
-                <a:latin typeface="Calibri" pitchFamily="34" charset="0"/>
-              </a:rPr>
-              <a:t> DOM и автоматически изменяет DOM в браузере так, чтоб он соответствовал виртуальному.</a:t>
+              <a:t> — это дерево React элементов на JavaScript. React отрисовывает Virtual DOM в браузере, чтоб сделать интерфейс видимым. React следит за изменениями в Virtual DOM и автоматически изменяет DOM в браузере так, чтоб он соответствовал виртуальному.</a:t>
             </a:r>
             <a:endParaRPr lang="uk-UA" sz="1800" dirty="0">
               <a:latin typeface="Calibri" pitchFamily="34" charset="0"/>
@@ -2739,19 +2649,7 @@
               <a:rPr lang="ru-RU" dirty="0">
                 <a:latin typeface="Calibri" panose="020F0502020204030204" pitchFamily="34" charset="0"/>
               </a:rPr>
-              <a:t>JSX это расширение синтаксиса </a:t>
-            </a:r>
-            <a:r>
-              <a:rPr lang="ru-RU" dirty="0" err="1">
-                <a:latin typeface="Calibri" panose="020F0502020204030204" pitchFamily="34" charset="0"/>
-              </a:rPr>
-              <a:t>JavaScript</a:t>
-            </a:r>
-            <a:r>
-              <a:rPr lang="ru-RU" dirty="0">
-                <a:latin typeface="Calibri" panose="020F0502020204030204" pitchFamily="34" charset="0"/>
-              </a:rPr>
-              <a:t>, которое выглядит подобно XML.  </a:t>
+              <a:t>JSX это расширение синтаксиса JavaScript, которое выглядит подобно XML.  </a:t>
             </a:r>
             <a:endParaRPr lang="en-US" dirty="0">
               <a:latin typeface="Calibri" panose="020F0502020204030204" pitchFamily="34" charset="0"/>
@@ -2764,16 +2662,10 @@
           </a:p>
           <a:p>
             <a:r>
-              <a:rPr lang="ru-RU" dirty="0" err="1">
-                <a:latin typeface="Calibri" panose="020F0502020204030204" pitchFamily="34" charset="0"/>
-              </a:rPr>
-              <a:t>React</a:t>
-            </a:r>
-            <a:r>
-              <a:rPr lang="ru-RU" dirty="0">
-                <a:latin typeface="Calibri" panose="020F0502020204030204" pitchFamily="34" charset="0"/>
-              </a:rPr>
-              <a:t> работает и без JSX, но именно JSX позволяет сделать код </a:t>
+              <a:rPr lang="ru-RU" dirty="0">
+                <a:latin typeface="Calibri" panose="020F0502020204030204" pitchFamily="34" charset="0"/>
+              </a:rPr>
+              <a:t>React работает и без JSX, но именно JSX позволяет сделать код </a:t>
             </a:r>
             <a:r>
               <a:rPr lang="en-US" dirty="0">
@@ -2819,16 +2711,10 @@
               <a:t>React JSX </a:t>
             </a:r>
             <a:r>
-              <a:rPr lang="uk-UA" dirty="0" err="1">
-                <a:latin typeface="Calibri" panose="020F0502020204030204" pitchFamily="34" charset="0"/>
-              </a:rPr>
-              <a:t>трансформирует</a:t>
-            </a:r>
-            <a:r>
               <a:rPr lang="uk-UA" dirty="0">
                 <a:latin typeface="Calibri" panose="020F0502020204030204" pitchFamily="34" charset="0"/>
               </a:rPr>
-              <a:t> </a:t>
+              <a:t>трансформирует </a:t>
             </a:r>
             <a:r>
               <a:rPr lang="en-US" dirty="0">
@@ -2837,16 +2723,10 @@
               <a:t>XML-</a:t>
             </a:r>
             <a:r>
-              <a:rPr lang="uk-UA" dirty="0" err="1">
-                <a:latin typeface="Calibri" panose="020F0502020204030204" pitchFamily="34" charset="0"/>
-              </a:rPr>
-              <a:t>подобный</a:t>
-            </a:r>
-            <a:r>
               <a:rPr lang="uk-UA" dirty="0">
                 <a:latin typeface="Calibri" panose="020F0502020204030204" pitchFamily="34" charset="0"/>
               </a:rPr>
-              <a:t> синтаксис в </a:t>
+              <a:t>подобный синтаксис в </a:t>
             </a:r>
             <a:r>
               <a:rPr lang="en-US" dirty="0">
@@ -2855,88 +2735,16 @@
               <a:t>JavaScript. XML </a:t>
             </a:r>
             <a:r>
-              <a:rPr lang="uk-UA" dirty="0" err="1">
-                <a:latin typeface="Calibri" panose="020F0502020204030204" pitchFamily="34" charset="0"/>
-              </a:rPr>
-              <a:t>элементы</a:t>
-            </a:r>
-            <a:r>
               <a:rPr lang="uk-UA" dirty="0">
                 <a:latin typeface="Calibri" panose="020F0502020204030204" pitchFamily="34" charset="0"/>
               </a:rPr>
-              <a:t>, </a:t>
-            </a:r>
-            <a:r>
-              <a:rPr lang="uk-UA" dirty="0" err="1">
-                <a:latin typeface="Calibri" panose="020F0502020204030204" pitchFamily="34" charset="0"/>
-              </a:rPr>
-              <a:t>атрибуты</a:t>
-            </a:r>
-            <a:r>
-              <a:rPr lang="uk-UA" dirty="0">
-                <a:latin typeface="Calibri" panose="020F0502020204030204" pitchFamily="34" charset="0"/>
-              </a:rPr>
-              <a:t> и </a:t>
-            </a:r>
-            <a:r>
-              <a:rPr lang="uk-UA" dirty="0" err="1">
-                <a:latin typeface="Calibri" panose="020F0502020204030204" pitchFamily="34" charset="0"/>
-              </a:rPr>
-              <a:t>дочерние</a:t>
-            </a:r>
-            <a:r>
-              <a:rPr lang="uk-UA" dirty="0">
-                <a:latin typeface="Calibri" panose="020F0502020204030204" pitchFamily="34" charset="0"/>
-              </a:rPr>
-              <a:t> </a:t>
-            </a:r>
-            <a:r>
-              <a:rPr lang="uk-UA" dirty="0" err="1">
-                <a:latin typeface="Calibri" panose="020F0502020204030204" pitchFamily="34" charset="0"/>
-              </a:rPr>
-              <a:t>элементы</a:t>
-            </a:r>
-            <a:r>
-              <a:rPr lang="uk-UA" dirty="0">
-                <a:latin typeface="Calibri" panose="020F0502020204030204" pitchFamily="34" charset="0"/>
-              </a:rPr>
-              <a:t> </a:t>
-            </a:r>
-            <a:r>
-              <a:rPr lang="uk-UA" dirty="0" err="1">
-                <a:latin typeface="Calibri" panose="020F0502020204030204" pitchFamily="34" charset="0"/>
-              </a:rPr>
-              <a:t>трансформируются</a:t>
-            </a:r>
-            <a:r>
-              <a:rPr lang="uk-UA" dirty="0">
-                <a:latin typeface="Calibri" panose="020F0502020204030204" pitchFamily="34" charset="0"/>
-              </a:rPr>
-              <a:t> в </a:t>
-            </a:r>
-            <a:r>
-              <a:rPr lang="uk-UA" dirty="0" err="1">
-                <a:latin typeface="Calibri" panose="020F0502020204030204" pitchFamily="34" charset="0"/>
-              </a:rPr>
-              <a:t>аргументы</a:t>
-            </a:r>
-            <a:r>
-              <a:rPr lang="uk-UA" dirty="0">
-                <a:latin typeface="Calibri" panose="020F0502020204030204" pitchFamily="34" charset="0"/>
-              </a:rPr>
-              <a:t> </a:t>
-            </a:r>
-            <a:r>
-              <a:rPr lang="en-US" dirty="0" err="1">
-                <a:latin typeface="Calibri" panose="020F0502020204030204" pitchFamily="34" charset="0"/>
-              </a:rPr>
-              <a:t>React.createElement</a:t>
-            </a:r>
-            <a:r>
-              <a:rPr lang="en-US" dirty="0">
-                <a:latin typeface="Calibri" panose="020F0502020204030204" pitchFamily="34" charset="0"/>
-              </a:rPr>
-              <a:t>: </a:t>
+              <a:t>элементы, атрибуты и дочерние элементы трансформируются в аргументы </a:t>
+            </a:r>
+            <a:r>
+              <a:rPr lang="en-US" dirty="0">
+                <a:latin typeface="Calibri" panose="020F0502020204030204" pitchFamily="34" charset="0"/>
+              </a:rPr>
+              <a:t>React.createElement: </a:t>
             </a:r>
           </a:p>
           <a:p>

--- a/ReactJS/lesson_19/Presentation/ReactJS_intro.pptx
+++ b/ReactJS/lesson_19/Presentation/ReactJS_intro.pptx
@@ -2203,7 +2203,7 @@
               <a:buChar char="•"/>
             </a:pPr>
             <a:endParaRPr lang="ru-RU" dirty="0">
-              <a:latin typeface="Calibri" pitchFamily="34" charset="0"/>
+              <a:latin typeface="Calibri" panose="020F0502020204030204" pitchFamily="34" charset="0"/>
             </a:endParaRPr>
           </a:p>
           <a:p>
@@ -2212,7 +2212,7 @@
               <a:buChar char="•"/>
             </a:pPr>
             <a:endParaRPr lang="ru-RU" dirty="0">
-              <a:latin typeface="Calibri" pitchFamily="34" charset="0"/>
+              <a:latin typeface="Calibri" panose="020F0502020204030204" pitchFamily="34" charset="0"/>
             </a:endParaRPr>
           </a:p>
         </p:txBody>
@@ -2532,16 +2532,106 @@
           <a:p>
             <a:pPr algn="just"/>
             <a:r>
+              <a:rPr lang="ru-RU" sz="1800" b="1" dirty="0" err="1">
+                <a:latin typeface="Calibri" pitchFamily="34" charset="0"/>
+              </a:rPr>
+              <a:t>Virtual</a:t>
+            </a:r>
+            <a:r>
               <a:rPr lang="ru-RU" sz="1800" b="1" dirty="0">
                 <a:latin typeface="Calibri" pitchFamily="34" charset="0"/>
               </a:rPr>
-              <a:t>Virtual DOM</a:t>
+              <a:t> DOM</a:t>
             </a:r>
             <a:r>
               <a:rPr lang="ru-RU" sz="1800" dirty="0">
                 <a:latin typeface="Calibri" pitchFamily="34" charset="0"/>
               </a:rPr>
-              <a:t> — это дерево React элементов на JavaScript. React отрисовывает Virtual DOM в браузере, чтоб сделать интерфейс видимым. React следит за изменениями в Virtual DOM и автоматически изменяет DOM в браузере так, чтоб он соответствовал виртуальному.</a:t>
+              <a:t> — это дерево </a:t>
+            </a:r>
+            <a:r>
+              <a:rPr lang="ru-RU" sz="1800" dirty="0" err="1">
+                <a:latin typeface="Calibri" pitchFamily="34" charset="0"/>
+              </a:rPr>
+              <a:t>React</a:t>
+            </a:r>
+            <a:r>
+              <a:rPr lang="ru-RU" sz="1800" dirty="0">
+                <a:latin typeface="Calibri" pitchFamily="34" charset="0"/>
+              </a:rPr>
+              <a:t> элементов на </a:t>
+            </a:r>
+            <a:r>
+              <a:rPr lang="ru-RU" sz="1800" dirty="0" err="1">
+                <a:latin typeface="Calibri" pitchFamily="34" charset="0"/>
+              </a:rPr>
+              <a:t>JavaScript</a:t>
+            </a:r>
+            <a:r>
+              <a:rPr lang="ru-RU" sz="1800" dirty="0">
+                <a:latin typeface="Calibri" pitchFamily="34" charset="0"/>
+              </a:rPr>
+              <a:t>. </a:t>
+            </a:r>
+            <a:r>
+              <a:rPr lang="ru-RU" sz="1800" dirty="0" err="1">
+                <a:latin typeface="Calibri" pitchFamily="34" charset="0"/>
+              </a:rPr>
+              <a:t>React</a:t>
+            </a:r>
+            <a:r>
+              <a:rPr lang="ru-RU" sz="1800" dirty="0">
+                <a:latin typeface="Calibri" pitchFamily="34" charset="0"/>
+              </a:rPr>
+              <a:t> </a:t>
+            </a:r>
+            <a:r>
+              <a:rPr lang="ru-RU" sz="1800" dirty="0" err="1">
+                <a:latin typeface="Calibri" pitchFamily="34" charset="0"/>
+              </a:rPr>
+              <a:t>отрисовывает</a:t>
+            </a:r>
+            <a:r>
+              <a:rPr lang="ru-RU" sz="1800" dirty="0">
+                <a:latin typeface="Calibri" pitchFamily="34" charset="0"/>
+              </a:rPr>
+              <a:t> </a:t>
+            </a:r>
+            <a:r>
+              <a:rPr lang="ru-RU" sz="1800" dirty="0" err="1">
+                <a:latin typeface="Calibri" pitchFamily="34" charset="0"/>
+              </a:rPr>
+              <a:t>Virtual</a:t>
+            </a:r>
+            <a:r>
+              <a:rPr lang="ru-RU" sz="1800" dirty="0">
+                <a:latin typeface="Calibri" pitchFamily="34" charset="0"/>
+              </a:rPr>
+              <a:t> DOM в браузере, чтоб сделать интерфейс видимым. </a:t>
+            </a:r>
+            <a:r>
+              <a:rPr lang="ru-RU" sz="1800" dirty="0" err="1">
+                <a:latin typeface="Calibri" pitchFamily="34" charset="0"/>
+              </a:rPr>
+              <a:t>React</a:t>
+            </a:r>
+            <a:r>
+              <a:rPr lang="ru-RU" sz="1800" dirty="0">
+                <a:latin typeface="Calibri" pitchFamily="34" charset="0"/>
+              </a:rPr>
+              <a:t> следит за изменениями в </a:t>
+            </a:r>
+            <a:r>
+              <a:rPr lang="ru-RU" sz="1800" dirty="0" err="1">
+                <a:latin typeface="Calibri" pitchFamily="34" charset="0"/>
+              </a:rPr>
+              <a:t>Virtual</a:t>
+            </a:r>
+            <a:r>
+              <a:rPr lang="ru-RU" sz="1800" dirty="0">
+                <a:latin typeface="Calibri" pitchFamily="34" charset="0"/>
+              </a:rPr>
+              <a:t> DOM и автоматически изменяет DOM в браузере так, чтоб он соответствовал виртуальному.</a:t>
             </a:r>
             <a:endParaRPr lang="uk-UA" sz="1800" dirty="0">
               <a:latin typeface="Calibri" pitchFamily="34" charset="0"/>
@@ -2649,7 +2739,19 @@
               <a:rPr lang="ru-RU" dirty="0">
                 <a:latin typeface="Calibri" panose="020F0502020204030204" pitchFamily="34" charset="0"/>
               </a:rPr>
-              <a:t>JSX это расширение синтаксиса JavaScript, которое выглядит подобно XML.  </a:t>
+              <a:t>JSX это расширение синтаксиса </a:t>
+            </a:r>
+            <a:r>
+              <a:rPr lang="ru-RU" dirty="0" err="1">
+                <a:latin typeface="Calibri" panose="020F0502020204030204" pitchFamily="34" charset="0"/>
+              </a:rPr>
+              <a:t>JavaScript</a:t>
+            </a:r>
+            <a:r>
+              <a:rPr lang="ru-RU" dirty="0">
+                <a:latin typeface="Calibri" panose="020F0502020204030204" pitchFamily="34" charset="0"/>
+              </a:rPr>
+              <a:t>, которое выглядит подобно XML.  </a:t>
             </a:r>
             <a:endParaRPr lang="en-US" dirty="0">
               <a:latin typeface="Calibri" panose="020F0502020204030204" pitchFamily="34" charset="0"/>
@@ -2662,10 +2764,16 @@
           </a:p>
           <a:p>
             <a:r>
-              <a:rPr lang="ru-RU" dirty="0">
-                <a:latin typeface="Calibri" panose="020F0502020204030204" pitchFamily="34" charset="0"/>
-              </a:rPr>
-              <a:t>React работает и без JSX, но именно JSX позволяет сделать код </a:t>
+              <a:rPr lang="ru-RU" dirty="0" err="1">
+                <a:latin typeface="Calibri" panose="020F0502020204030204" pitchFamily="34" charset="0"/>
+              </a:rPr>
+              <a:t>React</a:t>
+            </a:r>
+            <a:r>
+              <a:rPr lang="ru-RU" dirty="0">
+                <a:latin typeface="Calibri" panose="020F0502020204030204" pitchFamily="34" charset="0"/>
+              </a:rPr>
+              <a:t> работает и без JSX, но именно JSX позволяет сделать код </a:t>
             </a:r>
             <a:r>
               <a:rPr lang="en-US" dirty="0">
@@ -2711,10 +2819,16 @@
               <a:t>React JSX </a:t>
             </a:r>
             <a:r>
+              <a:rPr lang="uk-UA" dirty="0" err="1">
+                <a:latin typeface="Calibri" panose="020F0502020204030204" pitchFamily="34" charset="0"/>
+              </a:rPr>
+              <a:t>трансформирует</a:t>
+            </a:r>
+            <a:r>
               <a:rPr lang="uk-UA" dirty="0">
                 <a:latin typeface="Calibri" panose="020F0502020204030204" pitchFamily="34" charset="0"/>
               </a:rPr>
-              <a:t>трансформирует </a:t>
+              <a:t> </a:t>
             </a:r>
             <a:r>
               <a:rPr lang="en-US" dirty="0">
@@ -2723,10 +2837,16 @@
               <a:t>XML-</a:t>
             </a:r>
             <a:r>
+              <a:rPr lang="uk-UA" dirty="0" err="1">
+                <a:latin typeface="Calibri" panose="020F0502020204030204" pitchFamily="34" charset="0"/>
+              </a:rPr>
+              <a:t>подобный</a:t>
+            </a:r>
+            <a:r>
               <a:rPr lang="uk-UA" dirty="0">
                 <a:latin typeface="Calibri" panose="020F0502020204030204" pitchFamily="34" charset="0"/>
               </a:rPr>
-              <a:t>подобный синтаксис в </a:t>
+              <a:t> синтаксис в </a:t>
             </a:r>
             <a:r>
               <a:rPr lang="en-US" dirty="0">
@@ -2735,16 +2855,88 @@
               <a:t>JavaScript. XML </a:t>
             </a:r>
             <a:r>
+              <a:rPr lang="uk-UA" dirty="0" err="1">
+                <a:latin typeface="Calibri" panose="020F0502020204030204" pitchFamily="34" charset="0"/>
+              </a:rPr>
+              <a:t>элементы</a:t>
+            </a:r>
+            <a:r>
               <a:rPr lang="uk-UA" dirty="0">
                 <a:latin typeface="Calibri" panose="020F0502020204030204" pitchFamily="34" charset="0"/>
               </a:rPr>
-              <a:t>элементы, атрибуты и дочерние элементы трансформируются в аргументы </a:t>
-            </a:r>
-            <a:r>
-              <a:rPr lang="en-US" dirty="0">
-                <a:latin typeface="Calibri" panose="020F0502020204030204" pitchFamily="34" charset="0"/>
-              </a:rPr>
-              <a:t>React.createElement: </a:t>
+              <a:t>, </a:t>
+            </a:r>
+            <a:r>
+              <a:rPr lang="uk-UA" dirty="0" err="1">
+                <a:latin typeface="Calibri" panose="020F0502020204030204" pitchFamily="34" charset="0"/>
+              </a:rPr>
+              <a:t>атрибуты</a:t>
+            </a:r>
+            <a:r>
+              <a:rPr lang="uk-UA" dirty="0">
+                <a:latin typeface="Calibri" panose="020F0502020204030204" pitchFamily="34" charset="0"/>
+              </a:rPr>
+              <a:t> и </a:t>
+            </a:r>
+            <a:r>
+              <a:rPr lang="uk-UA" dirty="0" err="1">
+                <a:latin typeface="Calibri" panose="020F0502020204030204" pitchFamily="34" charset="0"/>
+              </a:rPr>
+              <a:t>дочерние</a:t>
+            </a:r>
+            <a:r>
+              <a:rPr lang="uk-UA" dirty="0">
+                <a:latin typeface="Calibri" panose="020F0502020204030204" pitchFamily="34" charset="0"/>
+              </a:rPr>
+              <a:t> </a:t>
+            </a:r>
+            <a:r>
+              <a:rPr lang="uk-UA" dirty="0" err="1">
+                <a:latin typeface="Calibri" panose="020F0502020204030204" pitchFamily="34" charset="0"/>
+              </a:rPr>
+              <a:t>элементы</a:t>
+            </a:r>
+            <a:r>
+              <a:rPr lang="uk-UA" dirty="0">
+                <a:latin typeface="Calibri" panose="020F0502020204030204" pitchFamily="34" charset="0"/>
+              </a:rPr>
+              <a:t> </a:t>
+            </a:r>
+            <a:r>
+              <a:rPr lang="uk-UA" dirty="0" err="1">
+                <a:latin typeface="Calibri" panose="020F0502020204030204" pitchFamily="34" charset="0"/>
+              </a:rPr>
+              <a:t>трансформируются</a:t>
+            </a:r>
+            <a:r>
+              <a:rPr lang="uk-UA" dirty="0">
+                <a:latin typeface="Calibri" panose="020F0502020204030204" pitchFamily="34" charset="0"/>
+              </a:rPr>
+              <a:t> в </a:t>
+            </a:r>
+            <a:r>
+              <a:rPr lang="uk-UA" dirty="0" err="1">
+                <a:latin typeface="Calibri" panose="020F0502020204030204" pitchFamily="34" charset="0"/>
+              </a:rPr>
+              <a:t>аргументы</a:t>
+            </a:r>
+            <a:r>
+              <a:rPr lang="uk-UA" dirty="0">
+                <a:latin typeface="Calibri" panose="020F0502020204030204" pitchFamily="34" charset="0"/>
+              </a:rPr>
+              <a:t> </a:t>
+            </a:r>
+            <a:r>
+              <a:rPr lang="en-US" dirty="0" err="1">
+                <a:latin typeface="Calibri" panose="020F0502020204030204" pitchFamily="34" charset="0"/>
+              </a:rPr>
+              <a:t>React.createElement</a:t>
+            </a:r>
+            <a:r>
+              <a:rPr lang="en-US" dirty="0">
+                <a:latin typeface="Calibri" panose="020F0502020204030204" pitchFamily="34" charset="0"/>
+              </a:rPr>
+              <a:t>: </a:t>
             </a:r>
           </a:p>
           <a:p>
